--- a/Kickstarter_Presentation_Slides.pptx
+++ b/Kickstarter_Presentation_Slides.pptx
@@ -114,7 +114,16 @@
       </a:defRPr>
     </a:lvl9pPr>
   </p:defaultTextStyle>
+  <p:extLst>
+    <p:ext uri="{EFAFB233-063F-42B5-8137-9DF3F51BA10A}">
+      <p15:sldGuideLst xmlns:p15="http://schemas.microsoft.com/office/powerpoint/2012/main"/>
+    </p:ext>
+  </p:extLst>
 </p:presentation>
+</file>
+
+<file path=ppt/revisionInfo.xml><?xml version="1.0" encoding="utf-8"?>
+<p1510:revInfo xmlns:a="http://schemas.openxmlformats.org/drawingml/2006/main" xmlns:r="http://schemas.openxmlformats.org/officeDocument/2006/relationships" xmlns:p1510="http://schemas.microsoft.com/office/powerpoint/2015/10/main"/>
 </file>
 
 <file path=ppt/slideLayouts/slideLayout1.xml><?xml version="1.0" encoding="utf-8"?>
@@ -1329,7 +1338,7 @@
             <a:fld id="{9334D819-9F07-4261-B09B-9E467E5D9002}" type="datetimeFigureOut">
               <a:rPr lang="en-US" dirty="0"/>
               <a:pPr/>
-              <a:t>5/30/2018</a:t>
+              <a:t>5/31/2018</a:t>
             </a:fld>
             <a:endParaRPr lang="en-US" dirty="0"/>
           </a:p>
@@ -1563,7 +1572,7 @@
           <a:p>
             <a:fld id="{9334D819-9F07-4261-B09B-9E467E5D9002}" type="datetimeFigureOut">
               <a:rPr lang="en-US" dirty="0"/>
-              <a:t>5/30/2018</a:t>
+              <a:t>5/31/2018</a:t>
             </a:fld>
             <a:endParaRPr lang="en-US" dirty="0"/>
           </a:p>
@@ -1738,7 +1747,7 @@
           <a:p>
             <a:fld id="{9334D819-9F07-4261-B09B-9E467E5D9002}" type="datetimeFigureOut">
               <a:rPr lang="en-US" dirty="0"/>
-              <a:t>5/30/2018</a:t>
+              <a:t>5/31/2018</a:t>
             </a:fld>
             <a:endParaRPr lang="en-US" dirty="0"/>
           </a:p>
@@ -1903,7 +1912,7 @@
           <a:p>
             <a:fld id="{9334D819-9F07-4261-B09B-9E467E5D9002}" type="datetimeFigureOut">
               <a:rPr lang="en-US" dirty="0"/>
-              <a:t>5/30/2018</a:t>
+              <a:t>5/31/2018</a:t>
             </a:fld>
             <a:endParaRPr lang="en-US" dirty="0"/>
           </a:p>
@@ -2172,7 +2181,7 @@
             <a:fld id="{9334D819-9F07-4261-B09B-9E467E5D9002}" type="datetimeFigureOut">
               <a:rPr lang="en-US" dirty="0"/>
               <a:pPr/>
-              <a:t>5/30/2018</a:t>
+              <a:t>5/31/2018</a:t>
             </a:fld>
             <a:endParaRPr lang="en-US" dirty="0"/>
           </a:p>
@@ -3369,7 +3378,7 @@
           <a:p>
             <a:fld id="{9334D819-9F07-4261-B09B-9E467E5D9002}" type="datetimeFigureOut">
               <a:rPr lang="en-US" dirty="0"/>
-              <a:t>5/30/2018</a:t>
+              <a:t>5/31/2018</a:t>
             </a:fld>
             <a:endParaRPr lang="en-US" dirty="0"/>
           </a:p>
@@ -3754,7 +3763,7 @@
           <a:p>
             <a:fld id="{9334D819-9F07-4261-B09B-9E467E5D9002}" type="datetimeFigureOut">
               <a:rPr lang="en-US" dirty="0"/>
-              <a:t>5/30/2018</a:t>
+              <a:t>5/31/2018</a:t>
             </a:fld>
             <a:endParaRPr lang="en-US" dirty="0"/>
           </a:p>
@@ -3872,7 +3881,7 @@
           <a:p>
             <a:fld id="{9334D819-9F07-4261-B09B-9E467E5D9002}" type="datetimeFigureOut">
               <a:rPr lang="en-US" dirty="0"/>
-              <a:t>5/30/2018</a:t>
+              <a:t>5/31/2018</a:t>
             </a:fld>
             <a:endParaRPr lang="en-US" dirty="0"/>
           </a:p>
@@ -3962,7 +3971,7 @@
           <a:p>
             <a:fld id="{9334D819-9F07-4261-B09B-9E467E5D9002}" type="datetimeFigureOut">
               <a:rPr lang="en-US" dirty="0"/>
-              <a:t>5/30/2018</a:t>
+              <a:t>5/31/2018</a:t>
             </a:fld>
             <a:endParaRPr lang="en-US" dirty="0"/>
           </a:p>
@@ -4720,7 +4729,7 @@
           <a:p>
             <a:fld id="{9334D819-9F07-4261-B09B-9E467E5D9002}" type="datetimeFigureOut">
               <a:rPr lang="en-US" dirty="0"/>
-              <a:t>5/30/2018</a:t>
+              <a:t>5/31/2018</a:t>
             </a:fld>
             <a:endParaRPr lang="en-US" dirty="0"/>
           </a:p>
@@ -5554,7 +5563,7 @@
           <a:p>
             <a:fld id="{9334D819-9F07-4261-B09B-9E467E5D9002}" type="datetimeFigureOut">
               <a:rPr lang="en-US" dirty="0"/>
-              <a:t>5/30/2018</a:t>
+              <a:t>5/31/2018</a:t>
             </a:fld>
             <a:endParaRPr lang="en-US" dirty="0"/>
           </a:p>
@@ -5777,7 +5786,7 @@
             <a:fld id="{9334D819-9F07-4261-B09B-9E467E5D9002}" type="datetimeFigureOut">
               <a:rPr lang="en-US" dirty="0"/>
               <a:pPr/>
-              <a:t>5/30/2018</a:t>
+              <a:t>5/31/2018</a:t>
             </a:fld>
             <a:endParaRPr lang="en-US" dirty="0"/>
           </a:p>
@@ -8425,8 +8434,8 @@
         </p:nvSpPr>
         <p:spPr>
           <a:xfrm>
-            <a:off x="4021584" y="5779363"/>
-            <a:ext cx="7306323" cy="923330"/>
+            <a:off x="3560216" y="5779363"/>
+            <a:ext cx="7767691" cy="923330"/>
           </a:xfrm>
           <a:prstGeom prst="rect">
             <a:avLst/>
@@ -8441,7 +8450,15 @@
           <a:p>
             <a:r>
               <a:rPr lang="en-US" dirty="0"/>
-              <a:t>It seems that the most often pledged tiers are around the median for each project, suggesting that for these products that don’t exist and have a known price point, people might default to the median price offered by the project </a:t>
+              <a:t>It seems that the highest contributing tiers are most often around the median for each project, suggesting that for these products that might not have a comparable </a:t>
+            </a:r>
+            <a:r>
+              <a:rPr lang="en-US" dirty="0" err="1"/>
+              <a:t>prouct</a:t>
+            </a:r>
+            <a:r>
+              <a:rPr lang="en-US" dirty="0"/>
+              <a:t>, people might default to the median price offered by the project </a:t>
             </a:r>
           </a:p>
         </p:txBody>

--- a/Kickstarter_Presentation_Slides.pptx
+++ b/Kickstarter_Presentation_Slides.pptx
@@ -8450,11 +8450,11 @@
           <a:p>
             <a:r>
               <a:rPr lang="en-US" dirty="0"/>
-              <a:t>It seems that the highest contributing tiers are most often around the median for each project, suggesting that for these products that might not have a comparable </a:t>
-            </a:r>
-            <a:r>
-              <a:rPr lang="en-US" dirty="0" err="1"/>
-              <a:t>prouct</a:t>
+              <a:t>It seems that the highest contributing tiers are most often around the median for each project, suggesting that for these products that might not have a </a:t>
+            </a:r>
+            <a:r>
+              <a:rPr lang="en-US"/>
+              <a:t>comparable product</a:t>
             </a:r>
             <a:r>
               <a:rPr lang="en-US" dirty="0"/>
